--- a/Documentos/Presentasión 1.pptx
+++ b/Documentos/Presentasión 1.pptx
@@ -6,16 +6,17 @@
   </p:sldMasterIdLst>
   <p:sldIdLst>
     <p:sldId id="256" r:id="rId2"/>
-    <p:sldId id="259" r:id="rId3"/>
-    <p:sldId id="257" r:id="rId4"/>
-    <p:sldId id="260" r:id="rId5"/>
-    <p:sldId id="261" r:id="rId6"/>
-    <p:sldId id="262" r:id="rId7"/>
-    <p:sldId id="265" r:id="rId8"/>
-    <p:sldId id="264" r:id="rId9"/>
-    <p:sldId id="266" r:id="rId10"/>
-    <p:sldId id="267" r:id="rId11"/>
-    <p:sldId id="268" r:id="rId12"/>
+    <p:sldId id="269" r:id="rId3"/>
+    <p:sldId id="259" r:id="rId4"/>
+    <p:sldId id="257" r:id="rId5"/>
+    <p:sldId id="260" r:id="rId6"/>
+    <p:sldId id="261" r:id="rId7"/>
+    <p:sldId id="262" r:id="rId8"/>
+    <p:sldId id="265" r:id="rId9"/>
+    <p:sldId id="264" r:id="rId10"/>
+    <p:sldId id="266" r:id="rId11"/>
+    <p:sldId id="267" r:id="rId12"/>
+    <p:sldId id="268" r:id="rId13"/>
   </p:sldIdLst>
   <p:sldSz cx="12192000" cy="6858000"/>
   <p:notesSz cx="6858000" cy="9144000"/>
@@ -114,6 +115,11 @@
       </a:defRPr>
     </a:lvl9pPr>
   </p:defaultTextStyle>
+  <p:extLst>
+    <p:ext uri="{EFAFB233-063F-42B5-8137-9DF3F51BA10A}">
+      <p15:sldGuideLst xmlns:p15="http://schemas.microsoft.com/office/powerpoint/2012/main"/>
+    </p:ext>
+  </p:extLst>
 </p:presentation>
 </file>
 
@@ -3053,6 +3059,90 @@
           <a:p>
             <a:r>
               <a:rPr lang="es-CO" dirty="0" smtClean="0"/>
+              <a:t>Resultados Brasil </a:t>
+            </a:r>
+            <a:endParaRPr lang="es-CO" dirty="0"/>
+          </a:p>
+        </p:txBody>
+      </p:sp>
+      <p:pic>
+        <p:nvPicPr>
+          <p:cNvPr id="6" name="Picture 5"/>
+          <p:cNvPicPr>
+            <a:picLocks noChangeAspect="1"/>
+          </p:cNvPicPr>
+          <p:nvPr/>
+        </p:nvPicPr>
+        <p:blipFill>
+          <a:blip r:embed="rId2"/>
+          <a:stretch>
+            <a:fillRect/>
+          </a:stretch>
+        </p:blipFill>
+        <p:spPr>
+          <a:xfrm>
+            <a:off x="908655" y="1018904"/>
+            <a:ext cx="10368945" cy="5658341"/>
+          </a:xfrm>
+          <a:prstGeom prst="rect">
+            <a:avLst/>
+          </a:prstGeom>
+        </p:spPr>
+      </p:pic>
+    </p:spTree>
+    <p:extLst>
+      <p:ext uri="{BB962C8B-B14F-4D97-AF65-F5344CB8AC3E}">
+        <p14:creationId xmlns:p14="http://schemas.microsoft.com/office/powerpoint/2010/main" val="4225881079"/>
+      </p:ext>
+    </p:extLst>
+  </p:cSld>
+  <p:clrMapOvr>
+    <a:masterClrMapping/>
+  </p:clrMapOvr>
+</p:sld>
+</file>
+
+<file path=ppt/slides/slide11.xml><?xml version="1.0" encoding="utf-8"?>
+<p:sld xmlns:a="http://schemas.openxmlformats.org/drawingml/2006/main" xmlns:r="http://schemas.openxmlformats.org/officeDocument/2006/relationships" xmlns:p="http://schemas.openxmlformats.org/presentationml/2006/main">
+  <p:cSld>
+    <p:spTree>
+      <p:nvGrpSpPr>
+        <p:cNvPr id="1" name=""/>
+        <p:cNvGrpSpPr/>
+        <p:nvPr/>
+      </p:nvGrpSpPr>
+      <p:grpSpPr>
+        <a:xfrm>
+          <a:off x="0" y="0"/>
+          <a:ext cx="0" cy="0"/>
+          <a:chOff x="0" y="0"/>
+          <a:chExt cx="0" cy="0"/>
+        </a:xfrm>
+      </p:grpSpPr>
+      <p:sp>
+        <p:nvSpPr>
+          <p:cNvPr id="2" name="Title 1"/>
+          <p:cNvSpPr>
+            <a:spLocks noGrp="1"/>
+          </p:cNvSpPr>
+          <p:nvPr>
+            <p:ph type="title"/>
+          </p:nvPr>
+        </p:nvSpPr>
+        <p:spPr>
+          <a:xfrm>
+            <a:off x="838200" y="365126"/>
+            <a:ext cx="10308771" cy="653778"/>
+          </a:xfrm>
+        </p:spPr>
+        <p:txBody>
+          <a:bodyPr>
+            <a:normAutofit fontScale="90000"/>
+          </a:bodyPr>
+          <a:lstStyle/>
+          <a:p>
+            <a:r>
+              <a:rPr lang="es-CO" dirty="0" smtClean="0"/>
               <a:t>Resultados</a:t>
             </a:r>
             <a:r>
@@ -3103,7 +3193,7 @@
 </p:sld>
 </file>
 
-<file path=ppt/slides/slide11.xml><?xml version="1.0" encoding="utf-8"?>
+<file path=ppt/slides/slide12.xml><?xml version="1.0" encoding="utf-8"?>
 <p:sld xmlns:a="http://schemas.openxmlformats.org/drawingml/2006/main" xmlns:r="http://schemas.openxmlformats.org/officeDocument/2006/relationships" xmlns:p="http://schemas.openxmlformats.org/presentationml/2006/main">
   <p:cSld>
     <p:spTree>
@@ -3204,98 +3294,39 @@
           <a:chExt cx="0" cy="0"/>
         </a:xfrm>
       </p:grpSpPr>
-      <p:sp>
-        <p:nvSpPr>
-          <p:cNvPr id="2" name="Title 1"/>
-          <p:cNvSpPr>
-            <a:spLocks noGrp="1"/>
-          </p:cNvSpPr>
-          <p:nvPr>
-            <p:ph type="title"/>
-          </p:nvPr>
-        </p:nvSpPr>
-        <p:spPr/>
-        <p:txBody>
-          <a:bodyPr/>
-          <a:lstStyle/>
-          <a:p>
-            <a:r>
-              <a:rPr lang="es-CO" dirty="0" smtClean="0"/>
-              <a:t>Variables respuesta </a:t>
-            </a:r>
-            <a:endParaRPr lang="es-CO" dirty="0"/>
-          </a:p>
-        </p:txBody>
-      </p:sp>
-      <p:sp>
-        <p:nvSpPr>
-          <p:cNvPr id="3" name="Content Placeholder 2"/>
-          <p:cNvSpPr>
-            <a:spLocks noGrp="1"/>
-          </p:cNvSpPr>
+      <p:pic>
+        <p:nvPicPr>
+          <p:cNvPr id="4" name="Content Placeholder 3"/>
+          <p:cNvPicPr>
+            <a:picLocks noGrp="1" noChangeAspect="1"/>
+          </p:cNvPicPr>
           <p:nvPr>
             <p:ph idx="1"/>
           </p:nvPr>
-        </p:nvSpPr>
-        <p:spPr/>
-        <p:txBody>
-          <a:bodyPr/>
-          <a:lstStyle/>
-          <a:p>
-            <a:pPr marL="0" indent="0">
-              <a:buNone/>
-            </a:pPr>
-            <a:r>
-              <a:rPr lang="es-CO" dirty="0" smtClean="0"/>
-              <a:t>Tomada de la encuesta más reciente del país: </a:t>
-            </a:r>
-          </a:p>
-          <a:p>
-            <a:pPr marL="0" indent="0">
-              <a:buNone/>
-            </a:pPr>
-            <a:r>
-              <a:rPr lang="es-CO" dirty="0" smtClean="0"/>
-              <a:t>  </a:t>
-            </a:r>
-          </a:p>
-          <a:p>
-            <a:pPr marL="0" indent="0">
-              <a:buNone/>
-            </a:pPr>
-            <a:r>
-              <a:rPr lang="es-CO" dirty="0" smtClean="0"/>
-              <a:t> Y := Situación laboral actual del encuestado: </a:t>
-            </a:r>
-          </a:p>
-          <a:p>
-            <a:pPr lvl="1"/>
-            <a:r>
-              <a:rPr lang="es-CO" dirty="0" smtClean="0"/>
-              <a:t>Ocupado, </a:t>
-            </a:r>
-          </a:p>
-          <a:p>
-            <a:pPr lvl="1"/>
-            <a:r>
-              <a:rPr lang="es-CO" dirty="0" smtClean="0"/>
-              <a:t>Desocupado</a:t>
-            </a:r>
-          </a:p>
-          <a:p>
-            <a:pPr lvl="1"/>
-            <a:r>
-              <a:rPr lang="es-CO" dirty="0" smtClean="0"/>
-              <a:t>Inactivo  </a:t>
-            </a:r>
-            <a:endParaRPr lang="es-CO" dirty="0"/>
-          </a:p>
-        </p:txBody>
-      </p:sp>
+        </p:nvPicPr>
+        <p:blipFill>
+          <a:blip r:embed="rId2" cstate="print">
+            <a:extLst>
+              <a:ext uri="{28A0092B-C50C-407E-A947-70E740481C1C}">
+                <a14:useLocalDpi xmlns:a14="http://schemas.microsoft.com/office/drawing/2010/main" val="0"/>
+              </a:ext>
+            </a:extLst>
+          </a:blip>
+          <a:stretch>
+            <a:fillRect/>
+          </a:stretch>
+        </p:blipFill>
+        <p:spPr>
+          <a:xfrm>
+            <a:off x="1576250" y="0"/>
+            <a:ext cx="7647719" cy="6858000"/>
+          </a:xfrm>
+        </p:spPr>
+      </p:pic>
     </p:spTree>
     <p:extLst>
       <p:ext uri="{BB962C8B-B14F-4D97-AF65-F5344CB8AC3E}">
-        <p14:creationId xmlns:p14="http://schemas.microsoft.com/office/powerpoint/2010/main" val="1704557179"/>
+        <p14:creationId xmlns:p14="http://schemas.microsoft.com/office/powerpoint/2010/main" val="490816703"/>
       </p:ext>
     </p:extLst>
   </p:cSld>
@@ -3339,6 +3370,124 @@
           <a:p>
             <a:r>
               <a:rPr lang="es-CO" dirty="0" smtClean="0"/>
+              <a:t>Variables respuesta </a:t>
+            </a:r>
+            <a:endParaRPr lang="es-CO" dirty="0"/>
+          </a:p>
+        </p:txBody>
+      </p:sp>
+      <p:sp>
+        <p:nvSpPr>
+          <p:cNvPr id="3" name="Content Placeholder 2"/>
+          <p:cNvSpPr>
+            <a:spLocks noGrp="1"/>
+          </p:cNvSpPr>
+          <p:nvPr>
+            <p:ph idx="1"/>
+          </p:nvPr>
+        </p:nvSpPr>
+        <p:spPr/>
+        <p:txBody>
+          <a:bodyPr/>
+          <a:lstStyle/>
+          <a:p>
+            <a:pPr marL="0" indent="0">
+              <a:buNone/>
+            </a:pPr>
+            <a:r>
+              <a:rPr lang="es-CO" dirty="0" smtClean="0"/>
+              <a:t>Tomada de la encuesta más reciente del país: </a:t>
+            </a:r>
+          </a:p>
+          <a:p>
+            <a:pPr marL="0" indent="0">
+              <a:buNone/>
+            </a:pPr>
+            <a:r>
+              <a:rPr lang="es-CO" dirty="0" smtClean="0"/>
+              <a:t>  </a:t>
+            </a:r>
+          </a:p>
+          <a:p>
+            <a:pPr marL="0" indent="0">
+              <a:buNone/>
+            </a:pPr>
+            <a:r>
+              <a:rPr lang="es-CO" dirty="0" smtClean="0"/>
+              <a:t> Y := Situación laboral actual del encuestado: </a:t>
+            </a:r>
+          </a:p>
+          <a:p>
+            <a:pPr lvl="1"/>
+            <a:r>
+              <a:rPr lang="es-CO" dirty="0" smtClean="0"/>
+              <a:t>Ocupado, </a:t>
+            </a:r>
+          </a:p>
+          <a:p>
+            <a:pPr lvl="1"/>
+            <a:r>
+              <a:rPr lang="es-CO" dirty="0" smtClean="0"/>
+              <a:t>Desocupado</a:t>
+            </a:r>
+          </a:p>
+          <a:p>
+            <a:pPr lvl="1"/>
+            <a:r>
+              <a:rPr lang="es-CO" dirty="0" smtClean="0"/>
+              <a:t>Inactivo  </a:t>
+            </a:r>
+            <a:endParaRPr lang="es-CO" dirty="0"/>
+          </a:p>
+        </p:txBody>
+      </p:sp>
+    </p:spTree>
+    <p:extLst>
+      <p:ext uri="{BB962C8B-B14F-4D97-AF65-F5344CB8AC3E}">
+        <p14:creationId xmlns:p14="http://schemas.microsoft.com/office/powerpoint/2010/main" val="1704557179"/>
+      </p:ext>
+    </p:extLst>
+  </p:cSld>
+  <p:clrMapOvr>
+    <a:masterClrMapping/>
+  </p:clrMapOvr>
+</p:sld>
+</file>
+
+<file path=ppt/slides/slide4.xml><?xml version="1.0" encoding="utf-8"?>
+<p:sld xmlns:a="http://schemas.openxmlformats.org/drawingml/2006/main" xmlns:r="http://schemas.openxmlformats.org/officeDocument/2006/relationships" xmlns:p="http://schemas.openxmlformats.org/presentationml/2006/main">
+  <p:cSld>
+    <p:spTree>
+      <p:nvGrpSpPr>
+        <p:cNvPr id="1" name=""/>
+        <p:cNvGrpSpPr/>
+        <p:nvPr/>
+      </p:nvGrpSpPr>
+      <p:grpSpPr>
+        <a:xfrm>
+          <a:off x="0" y="0"/>
+          <a:ext cx="0" cy="0"/>
+          <a:chOff x="0" y="0"/>
+          <a:chExt cx="0" cy="0"/>
+        </a:xfrm>
+      </p:grpSpPr>
+      <p:sp>
+        <p:nvSpPr>
+          <p:cNvPr id="2" name="Title 1"/>
+          <p:cNvSpPr>
+            <a:spLocks noGrp="1"/>
+          </p:cNvSpPr>
+          <p:nvPr>
+            <p:ph type="title"/>
+          </p:nvPr>
+        </p:nvSpPr>
+        <p:spPr/>
+        <p:txBody>
+          <a:bodyPr/>
+          <a:lstStyle/>
+          <a:p>
+            <a:r>
+              <a:rPr lang="es-CO" dirty="0" smtClean="0"/>
               <a:t>Fuentes de información (</a:t>
             </a:r>
             <a:r>
@@ -3423,11 +3572,7 @@
             </a:pPr>
             <a:r>
               <a:rPr lang="es-CO" dirty="0" smtClean="0"/>
-              <a:t>Departamento (DAM), Área geográfica (urbano rural), </a:t>
-            </a:r>
-            <a:r>
-              <a:rPr lang="es-CO" dirty="0" smtClean="0"/>
-              <a:t>Sexo, Rangos de edad, Años de educación, Etnia, Discapacidad  </a:t>
+              <a:t>Departamento (DAM), Área geográfica (urbano rural), Sexo, Rangos de edad, Años de educación, Etnia, Discapacidad  </a:t>
             </a:r>
             <a:endParaRPr lang="es-CO" dirty="0"/>
           </a:p>
@@ -3446,7 +3591,7 @@
 </p:sld>
 </file>
 
-<file path=ppt/slides/slide4.xml><?xml version="1.0" encoding="utf-8"?>
+<file path=ppt/slides/slide5.xml><?xml version="1.0" encoding="utf-8"?>
 <p:sld xmlns:a="http://schemas.openxmlformats.org/drawingml/2006/main" xmlns:r="http://schemas.openxmlformats.org/officeDocument/2006/relationships" xmlns:p="http://schemas.openxmlformats.org/presentationml/2006/main">
   <p:cSld>
     <p:spTree>
@@ -3524,7 +3669,7 @@
 </p:sld>
 </file>
 
-<file path=ppt/slides/slide5.xml><?xml version="1.0" encoding="utf-8"?>
+<file path=ppt/slides/slide6.xml><?xml version="1.0" encoding="utf-8"?>
 <p:sld xmlns:a="http://schemas.openxmlformats.org/drawingml/2006/main" xmlns:r="http://schemas.openxmlformats.org/officeDocument/2006/relationships" xmlns:p="http://schemas.openxmlformats.org/presentationml/2006/main">
   <p:cSld>
     <p:spTree>
@@ -3627,7 +3772,7 @@
 </p:sld>
 </file>
 
-<file path=ppt/slides/slide6.xml><?xml version="1.0" encoding="utf-8"?>
+<file path=ppt/slides/slide7.xml><?xml version="1.0" encoding="utf-8"?>
 <p:sld xmlns:a="http://schemas.openxmlformats.org/drawingml/2006/main" xmlns:r="http://schemas.openxmlformats.org/officeDocument/2006/relationships" xmlns:p="http://schemas.openxmlformats.org/presentationml/2006/main">
   <p:cSld>
     <p:spTree>
@@ -3713,7 +3858,7 @@
 </p:sld>
 </file>
 
-<file path=ppt/slides/slide7.xml><?xml version="1.0" encoding="utf-8"?>
+<file path=ppt/slides/slide8.xml><?xml version="1.0" encoding="utf-8"?>
 <p:sld xmlns:a="http://schemas.openxmlformats.org/drawingml/2006/main" xmlns:r="http://schemas.openxmlformats.org/officeDocument/2006/relationships" xmlns:p="http://schemas.openxmlformats.org/presentationml/2006/main">
   <p:cSld>
     <p:spTree>
@@ -3754,11 +3899,7 @@
           <a:p>
             <a:r>
               <a:rPr lang="es-CO" sz="4000" dirty="0" smtClean="0"/>
-              <a:t>Resultados de la Tasa de desocupación</a:t>
-            </a:r>
-            <a:r>
-              <a:rPr lang="es-CO" sz="4000" dirty="0" smtClean="0"/>
-              <a:t> (CRI) </a:t>
+              <a:t>Resultados de la Tasa de desocupación (CRI) </a:t>
             </a:r>
             <a:endParaRPr lang="es-CO" sz="4000" dirty="0"/>
           </a:p>
@@ -3803,7 +3944,7 @@
 </p:sld>
 </file>
 
-<file path=ppt/slides/slide8.xml><?xml version="1.0" encoding="utf-8"?>
+<file path=ppt/slides/slide9.xml><?xml version="1.0" encoding="utf-8"?>
 <p:sld xmlns:a="http://schemas.openxmlformats.org/drawingml/2006/main" xmlns:r="http://schemas.openxmlformats.org/officeDocument/2006/relationships" xmlns:p="http://schemas.openxmlformats.org/presentationml/2006/main">
   <p:cSld>
     <p:spTree>
@@ -3844,11 +3985,7 @@
           <a:p>
             <a:r>
               <a:rPr lang="es-CO" dirty="0" smtClean="0"/>
-              <a:t>Resultados de la Tasa de desocupación</a:t>
-            </a:r>
-            <a:r>
-              <a:rPr lang="es-CO" dirty="0" smtClean="0"/>
-              <a:t> (México) </a:t>
+              <a:t>Resultados de la Tasa de desocupación (México) </a:t>
             </a:r>
             <a:endParaRPr lang="es-CO" dirty="0"/>
           </a:p>
@@ -3884,90 +4021,6 @@
     <p:extLst>
       <p:ext uri="{BB962C8B-B14F-4D97-AF65-F5344CB8AC3E}">
         <p14:creationId xmlns:p14="http://schemas.microsoft.com/office/powerpoint/2010/main" val="1049928863"/>
-      </p:ext>
-    </p:extLst>
-  </p:cSld>
-  <p:clrMapOvr>
-    <a:masterClrMapping/>
-  </p:clrMapOvr>
-</p:sld>
-</file>
-
-<file path=ppt/slides/slide9.xml><?xml version="1.0" encoding="utf-8"?>
-<p:sld xmlns:a="http://schemas.openxmlformats.org/drawingml/2006/main" xmlns:r="http://schemas.openxmlformats.org/officeDocument/2006/relationships" xmlns:p="http://schemas.openxmlformats.org/presentationml/2006/main">
-  <p:cSld>
-    <p:spTree>
-      <p:nvGrpSpPr>
-        <p:cNvPr id="1" name=""/>
-        <p:cNvGrpSpPr/>
-        <p:nvPr/>
-      </p:nvGrpSpPr>
-      <p:grpSpPr>
-        <a:xfrm>
-          <a:off x="0" y="0"/>
-          <a:ext cx="0" cy="0"/>
-          <a:chOff x="0" y="0"/>
-          <a:chExt cx="0" cy="0"/>
-        </a:xfrm>
-      </p:grpSpPr>
-      <p:sp>
-        <p:nvSpPr>
-          <p:cNvPr id="2" name="Title 1"/>
-          <p:cNvSpPr>
-            <a:spLocks noGrp="1"/>
-          </p:cNvSpPr>
-          <p:nvPr>
-            <p:ph type="title"/>
-          </p:nvPr>
-        </p:nvSpPr>
-        <p:spPr>
-          <a:xfrm>
-            <a:off x="838200" y="365126"/>
-            <a:ext cx="10308771" cy="653778"/>
-          </a:xfrm>
-        </p:spPr>
-        <p:txBody>
-          <a:bodyPr>
-            <a:normAutofit fontScale="90000"/>
-          </a:bodyPr>
-          <a:lstStyle/>
-          <a:p>
-            <a:r>
-              <a:rPr lang="es-CO" dirty="0" smtClean="0"/>
-              <a:t>Resultados Brasil </a:t>
-            </a:r>
-            <a:endParaRPr lang="es-CO" dirty="0"/>
-          </a:p>
-        </p:txBody>
-      </p:sp>
-      <p:pic>
-        <p:nvPicPr>
-          <p:cNvPr id="6" name="Picture 5"/>
-          <p:cNvPicPr>
-            <a:picLocks noChangeAspect="1"/>
-          </p:cNvPicPr>
-          <p:nvPr/>
-        </p:nvPicPr>
-        <p:blipFill>
-          <a:blip r:embed="rId2"/>
-          <a:stretch>
-            <a:fillRect/>
-          </a:stretch>
-        </p:blipFill>
-        <p:spPr>
-          <a:xfrm>
-            <a:off x="908655" y="1018904"/>
-            <a:ext cx="10368945" cy="5658341"/>
-          </a:xfrm>
-          <a:prstGeom prst="rect">
-            <a:avLst/>
-          </a:prstGeom>
-        </p:spPr>
-      </p:pic>
-    </p:spTree>
-    <p:extLst>
-      <p:ext uri="{BB962C8B-B14F-4D97-AF65-F5344CB8AC3E}">
-        <p14:creationId xmlns:p14="http://schemas.microsoft.com/office/powerpoint/2010/main" val="4225881079"/>
       </p:ext>
     </p:extLst>
   </p:cSld>
